--- a/TG1.dgrubio.pptx
+++ b/TG1.dgrubio.pptx
@@ -5,8 +5,9 @@
     <p:sldMasterId id="2147483648" r:id="rId1"/>
   </p:sldMasterIdLst>
   <p:sldIdLst>
-    <p:sldId id="256" r:id="rId2"/>
-    <p:sldId id="257" r:id="rId3"/>
+    <p:sldId id="258" r:id="rId2"/>
+    <p:sldId id="256" r:id="rId3"/>
+    <p:sldId id="257" r:id="rId4"/>
   </p:sldIdLst>
   <p:sldSz cx="12192000" cy="6858000"/>
   <p:notesSz cx="6858000" cy="9144000"/>
@@ -2965,9 +2966,90 @@
           <a:chExt cx="0" cy="0"/>
         </a:xfrm>
       </p:grpSpPr>
+      <p:sp>
+        <p:nvSpPr>
+          <p:cNvPr id="4" name="CuadroTexto 3"/>
+          <p:cNvSpPr txBox="1"/>
+          <p:nvPr/>
+        </p:nvSpPr>
+        <p:spPr>
+          <a:xfrm>
+            <a:off x="7591097" y="560639"/>
+            <a:ext cx="4099034" cy="3416320"/>
+          </a:xfrm>
+          <a:prstGeom prst="rect">
+            <a:avLst/>
+          </a:prstGeom>
+          <a:noFill/>
+        </p:spPr>
+        <p:txBody>
+          <a:bodyPr wrap="square" rtlCol="0">
+            <a:spAutoFit/>
+          </a:bodyPr>
+          <a:lstStyle/>
+          <a:p>
+            <a:pPr algn="just"/>
+            <a:r>
+              <a:rPr lang="es-ES" dirty="0"/>
+              <a:t>EN INTERNET ENCONTRAMOS NUMEROSOS CURSOS QUE VAN DESDE LOS 150 EUROS HASTA LOS 850 EUROS</a:t>
+            </a:r>
+          </a:p>
+          <a:p>
+            <a:pPr algn="just"/>
+            <a:endParaRPr lang="es-ES" dirty="0"/>
+          </a:p>
+          <a:p>
+            <a:pPr algn="just"/>
+            <a:r>
+              <a:rPr lang="es-ES" dirty="0"/>
+              <a:t>LA DURACIÓN ES MAS O MENOS PARECIDA ENTRE LAS 20 Y LAS 40 HORAS, YA QUE SON CURSOS DE ESPECIALIZACIÓN</a:t>
+            </a:r>
+          </a:p>
+          <a:p>
+            <a:pPr algn="just"/>
+            <a:endParaRPr lang="es-ES" dirty="0"/>
+          </a:p>
+          <a:p>
+            <a:pPr algn="just"/>
+            <a:r>
+              <a:rPr lang="es-ES" dirty="0"/>
+              <a:t>EL 90% SON CURSOS PRESENCIALES, YA QUE SE SON CURSOS MUY PERSONALIZADOS</a:t>
+            </a:r>
+          </a:p>
+        </p:txBody>
+      </p:sp>
+      <p:sp>
+        <p:nvSpPr>
+          <p:cNvPr id="5" name="CuadroTexto 4"/>
+          <p:cNvSpPr txBox="1"/>
+          <p:nvPr/>
+        </p:nvSpPr>
+        <p:spPr>
+          <a:xfrm>
+            <a:off x="378372" y="23648"/>
+            <a:ext cx="6061842" cy="369332"/>
+          </a:xfrm>
+          <a:prstGeom prst="rect">
+            <a:avLst/>
+          </a:prstGeom>
+          <a:noFill/>
+        </p:spPr>
+        <p:txBody>
+          <a:bodyPr wrap="square" rtlCol="0">
+            <a:spAutoFit/>
+          </a:bodyPr>
+          <a:lstStyle/>
+          <a:p>
+            <a:r>
+              <a:rPr lang="es-ES" dirty="0"/>
+              <a:t>3.2 – FUENTES DE INFORMACIÓN DE SKETCHUP</a:t>
+            </a:r>
+          </a:p>
+        </p:txBody>
+      </p:sp>
       <p:pic>
         <p:nvPicPr>
-          <p:cNvPr id="4" name="Imagen 3"/>
+          <p:cNvPr id="6" name="Imagen 5"/>
           <p:cNvPicPr/>
           <p:nvPr/>
         </p:nvPicPr>
@@ -2979,8 +3061,8 @@
         </p:blipFill>
         <p:spPr>
           <a:xfrm>
-            <a:off x="94878" y="440503"/>
-            <a:ext cx="7342242" cy="3877497"/>
+            <a:off x="378371" y="560639"/>
+            <a:ext cx="6511159" cy="3596660"/>
           </a:xfrm>
           <a:prstGeom prst="rect">
             <a:avLst/>
@@ -2989,7 +3071,7 @@
       </p:pic>
       <p:pic>
         <p:nvPicPr>
-          <p:cNvPr id="5" name="Imagen 4"/>
+          <p:cNvPr id="7" name="Imagen 6"/>
           <p:cNvPicPr/>
           <p:nvPr/>
         </p:nvPicPr>
@@ -3001,99 +3083,18 @@
         </p:blipFill>
         <p:spPr>
           <a:xfrm>
-            <a:off x="881380" y="4449849"/>
-            <a:ext cx="5400040" cy="1773555"/>
+            <a:off x="378370" y="4157298"/>
+            <a:ext cx="6511159" cy="2393273"/>
           </a:xfrm>
           <a:prstGeom prst="rect">
             <a:avLst/>
           </a:prstGeom>
         </p:spPr>
       </p:pic>
-      <p:sp>
-        <p:nvSpPr>
-          <p:cNvPr id="6" name="CuadroTexto 5"/>
-          <p:cNvSpPr txBox="1"/>
-          <p:nvPr/>
-        </p:nvSpPr>
-        <p:spPr>
-          <a:xfrm>
-            <a:off x="7685690" y="740979"/>
-            <a:ext cx="4099034" cy="3416320"/>
-          </a:xfrm>
-          <a:prstGeom prst="rect">
-            <a:avLst/>
-          </a:prstGeom>
-          <a:noFill/>
-        </p:spPr>
-        <p:txBody>
-          <a:bodyPr wrap="square" rtlCol="0">
-            <a:spAutoFit/>
-          </a:bodyPr>
-          <a:lstStyle/>
-          <a:p>
-            <a:pPr algn="just"/>
-            <a:r>
-              <a:rPr lang="es-ES" dirty="0"/>
-              <a:t>EN INTERNET ENCONTRAMOS NUMEROSOS CURSOS QUE VAN DESDE LOS 150 EUROS HASTA LOS 850 EUROS</a:t>
-            </a:r>
-          </a:p>
-          <a:p>
-            <a:pPr algn="just"/>
-            <a:endParaRPr lang="es-ES" dirty="0"/>
-          </a:p>
-          <a:p>
-            <a:pPr algn="just"/>
-            <a:r>
-              <a:rPr lang="es-ES" dirty="0"/>
-              <a:t>LA DURACIÓN ES MAS O MENOS PARECIDA ENTRE LAS 20 Y LAS 40 HORAS, YA QUE SON CURSOS DE ESPECIALIZACIÓN</a:t>
-            </a:r>
-          </a:p>
-          <a:p>
-            <a:pPr algn="just"/>
-            <a:endParaRPr lang="es-ES" dirty="0"/>
-          </a:p>
-          <a:p>
-            <a:pPr algn="just"/>
-            <a:r>
-              <a:rPr lang="es-ES" dirty="0"/>
-              <a:t>EL 90% SON CURSOS PRESENCIALES, YA QUE SE SON CURSOS MUY PERSONALIZADOS</a:t>
-            </a:r>
-          </a:p>
-        </p:txBody>
-      </p:sp>
-      <p:sp>
-        <p:nvSpPr>
-          <p:cNvPr id="7" name="CuadroTexto 6"/>
-          <p:cNvSpPr txBox="1"/>
-          <p:nvPr/>
-        </p:nvSpPr>
-        <p:spPr>
-          <a:xfrm>
-            <a:off x="378372" y="23648"/>
-            <a:ext cx="6061842" cy="369558"/>
-          </a:xfrm>
-          <a:prstGeom prst="rect">
-            <a:avLst/>
-          </a:prstGeom>
-          <a:noFill/>
-        </p:spPr>
-        <p:txBody>
-          <a:bodyPr wrap="square" rtlCol="0">
-            <a:spAutoFit/>
-          </a:bodyPr>
-          <a:lstStyle/>
-          <a:p>
-            <a:r>
-              <a:rPr lang="es-ES" dirty="0"/>
-              <a:t>4.2 – CURSOS NO GRATUITOS DE SKETCHUP</a:t>
-            </a:r>
-          </a:p>
-        </p:txBody>
-      </p:sp>
     </p:spTree>
     <p:extLst>
       <p:ext uri="{BB962C8B-B14F-4D97-AF65-F5344CB8AC3E}">
-        <p14:creationId xmlns:p14="http://schemas.microsoft.com/office/powerpoint/2010/main" val="2093198308"/>
+        <p14:creationId xmlns:p14="http://schemas.microsoft.com/office/powerpoint/2010/main" val="2388059976"/>
       </p:ext>
     </p:extLst>
   </p:cSld>
@@ -3120,6 +3121,161 @@
           <a:chExt cx="0" cy="0"/>
         </a:xfrm>
       </p:grpSpPr>
+      <p:pic>
+        <p:nvPicPr>
+          <p:cNvPr id="4" name="Imagen 3"/>
+          <p:cNvPicPr/>
+          <p:nvPr/>
+        </p:nvPicPr>
+        <p:blipFill>
+          <a:blip r:embed="rId2"/>
+          <a:stretch>
+            <a:fillRect/>
+          </a:stretch>
+        </p:blipFill>
+        <p:spPr>
+          <a:xfrm>
+            <a:off x="94878" y="440504"/>
+            <a:ext cx="7342242" cy="3390518"/>
+          </a:xfrm>
+          <a:prstGeom prst="rect">
+            <a:avLst/>
+          </a:prstGeom>
+        </p:spPr>
+      </p:pic>
+      <p:pic>
+        <p:nvPicPr>
+          <p:cNvPr id="5" name="Imagen 4"/>
+          <p:cNvPicPr/>
+          <p:nvPr/>
+        </p:nvPicPr>
+        <p:blipFill>
+          <a:blip r:embed="rId3"/>
+          <a:stretch>
+            <a:fillRect/>
+          </a:stretch>
+        </p:blipFill>
+        <p:spPr>
+          <a:xfrm>
+            <a:off x="94878" y="3878320"/>
+            <a:ext cx="7342242" cy="2782611"/>
+          </a:xfrm>
+          <a:prstGeom prst="rect">
+            <a:avLst/>
+          </a:prstGeom>
+        </p:spPr>
+      </p:pic>
+      <p:sp>
+        <p:nvSpPr>
+          <p:cNvPr id="6" name="CuadroTexto 5"/>
+          <p:cNvSpPr txBox="1"/>
+          <p:nvPr/>
+        </p:nvSpPr>
+        <p:spPr>
+          <a:xfrm>
+            <a:off x="7835462" y="393206"/>
+            <a:ext cx="4099034" cy="3416320"/>
+          </a:xfrm>
+          <a:prstGeom prst="rect">
+            <a:avLst/>
+          </a:prstGeom>
+          <a:noFill/>
+        </p:spPr>
+        <p:txBody>
+          <a:bodyPr wrap="square" rtlCol="0">
+            <a:spAutoFit/>
+          </a:bodyPr>
+          <a:lstStyle/>
+          <a:p>
+            <a:pPr algn="just"/>
+            <a:r>
+              <a:rPr lang="es-ES" dirty="0"/>
+              <a:t>EN INTERNET ENCONTRAMOS NUMEROSOS CURSOS QUE VAN DESDE LOS 150 EUROS HASTA LOS 850 EUROS</a:t>
+            </a:r>
+          </a:p>
+          <a:p>
+            <a:pPr algn="just"/>
+            <a:endParaRPr lang="es-ES" dirty="0"/>
+          </a:p>
+          <a:p>
+            <a:pPr algn="just"/>
+            <a:r>
+              <a:rPr lang="es-ES" dirty="0"/>
+              <a:t>LA DURACIÓN ES MAS O MENOS PARECIDA ENTRE LAS 20 Y LAS 40 HORAS, YA QUE SON CURSOS DE ESPECIALIZACIÓN</a:t>
+            </a:r>
+          </a:p>
+          <a:p>
+            <a:pPr algn="just"/>
+            <a:endParaRPr lang="es-ES" dirty="0"/>
+          </a:p>
+          <a:p>
+            <a:pPr algn="just"/>
+            <a:r>
+              <a:rPr lang="es-ES" dirty="0"/>
+              <a:t>EL 90% SON CURSOS PRESENCIALES, YA QUE SE SON CURSOS MUY PERSONALIZADOS</a:t>
+            </a:r>
+          </a:p>
+        </p:txBody>
+      </p:sp>
+      <p:sp>
+        <p:nvSpPr>
+          <p:cNvPr id="7" name="CuadroTexto 6"/>
+          <p:cNvSpPr txBox="1"/>
+          <p:nvPr/>
+        </p:nvSpPr>
+        <p:spPr>
+          <a:xfrm>
+            <a:off x="378372" y="23648"/>
+            <a:ext cx="6061842" cy="369558"/>
+          </a:xfrm>
+          <a:prstGeom prst="rect">
+            <a:avLst/>
+          </a:prstGeom>
+          <a:noFill/>
+        </p:spPr>
+        <p:txBody>
+          <a:bodyPr wrap="square" rtlCol="0">
+            <a:spAutoFit/>
+          </a:bodyPr>
+          <a:lstStyle/>
+          <a:p>
+            <a:r>
+              <a:rPr lang="es-ES" dirty="0"/>
+              <a:t>4.2 – CURSOS NO GRATUITOS DE SKETCHUP</a:t>
+            </a:r>
+          </a:p>
+        </p:txBody>
+      </p:sp>
+    </p:spTree>
+    <p:extLst>
+      <p:ext uri="{BB962C8B-B14F-4D97-AF65-F5344CB8AC3E}">
+        <p14:creationId xmlns:p14="http://schemas.microsoft.com/office/powerpoint/2010/main" val="2093198308"/>
+      </p:ext>
+    </p:extLst>
+  </p:cSld>
+  <p:clrMapOvr>
+    <a:masterClrMapping/>
+  </p:clrMapOvr>
+</p:sld>
+</file>
+
+<file path=ppt/slides/slide3.xml><?xml version="1.0" encoding="utf-8"?>
+<p:sld xmlns:a="http://schemas.openxmlformats.org/drawingml/2006/main" xmlns:r="http://schemas.openxmlformats.org/officeDocument/2006/relationships" xmlns:p="http://schemas.openxmlformats.org/presentationml/2006/main">
+  <p:cSld>
+    <p:spTree>
+      <p:nvGrpSpPr>
+        <p:cNvPr id="1" name=""/>
+        <p:cNvGrpSpPr/>
+        <p:nvPr/>
+      </p:nvGrpSpPr>
+      <p:grpSpPr>
+        <a:xfrm>
+          <a:off x="0" y="0"/>
+          <a:ext cx="0" cy="0"/>
+          <a:chOff x="0" y="0"/>
+          <a:chExt cx="0" cy="0"/>
+        </a:xfrm>
+      </p:grpSpPr>
       <p:sp>
         <p:nvSpPr>
           <p:cNvPr id="4" name="CuadroTexto 3"/>
@@ -3128,7 +3284,7 @@
         </p:nvSpPr>
         <p:spPr>
           <a:xfrm>
-            <a:off x="7685690" y="740979"/>
+            <a:off x="7772400" y="533235"/>
             <a:ext cx="4099034" cy="3970318"/>
           </a:xfrm>
           <a:prstGeom prst="rect">
@@ -3216,7 +3372,7 @@
         <p:spPr>
           <a:xfrm>
             <a:off x="378372" y="533235"/>
-            <a:ext cx="6692462" cy="2533158"/>
+            <a:ext cx="6999890" cy="3053420"/>
           </a:xfrm>
           <a:prstGeom prst="rect">
             <a:avLst/>
@@ -3237,8 +3393,8 @@
         </p:blipFill>
         <p:spPr>
           <a:xfrm>
-            <a:off x="378372" y="3439806"/>
-            <a:ext cx="6692462" cy="2558973"/>
+            <a:off x="378372" y="3586655"/>
+            <a:ext cx="6999890" cy="2995448"/>
           </a:xfrm>
           <a:prstGeom prst="rect">
             <a:avLst/>

--- a/TG1.dgrubio.pptx
+++ b/TG1.dgrubio.pptx
@@ -106,6 +106,11 @@
       </a:defRPr>
     </a:lvl9pPr>
   </p:defaultTextStyle>
+  <p:extLst>
+    <p:ext uri="{EFAFB233-063F-42B5-8137-9DF3F51BA10A}">
+      <p15:sldGuideLst xmlns:p15="http://schemas.microsoft.com/office/powerpoint/2012/main"/>
+    </p:ext>
+  </p:extLst>
 </p:presentation>
 </file>
 
@@ -154,7 +159,6 @@
               <a:rPr lang="es-ES"/>
               <a:t>Haga clic para modificar el estilo de título del patrón</a:t>
             </a:r>
-            <a:endParaRPr lang="es-ES"/>
           </a:p>
         </p:txBody>
       </p:sp>
@@ -219,7 +223,6 @@
               <a:rPr lang="es-ES"/>
               <a:t>Haga clic para editar el estilo de subtítulo del patrón</a:t>
             </a:r>
-            <a:endParaRPr lang="es-ES"/>
           </a:p>
         </p:txBody>
       </p:sp>
@@ -337,7 +340,6 @@
               <a:rPr lang="es-ES"/>
               <a:t>Haga clic para modificar el estilo de título del patrón</a:t>
             </a:r>
-            <a:endParaRPr lang="es-ES"/>
           </a:p>
         </p:txBody>
       </p:sp>
@@ -389,7 +391,6 @@
               <a:rPr lang="es-ES"/>
               <a:t>Quinto nivel</a:t>
             </a:r>
-            <a:endParaRPr lang="es-ES"/>
           </a:p>
         </p:txBody>
       </p:sp>
@@ -512,7 +513,6 @@
               <a:rPr lang="es-ES"/>
               <a:t>Haga clic para modificar el estilo de título del patrón</a:t>
             </a:r>
-            <a:endParaRPr lang="es-ES"/>
           </a:p>
         </p:txBody>
       </p:sp>
@@ -569,7 +569,6 @@
               <a:rPr lang="es-ES"/>
               <a:t>Quinto nivel</a:t>
             </a:r>
-            <a:endParaRPr lang="es-ES"/>
           </a:p>
         </p:txBody>
       </p:sp>
@@ -687,7 +686,6 @@
               <a:rPr lang="es-ES"/>
               <a:t>Haga clic para modificar el estilo de título del patrón</a:t>
             </a:r>
-            <a:endParaRPr lang="es-ES"/>
           </a:p>
         </p:txBody>
       </p:sp>
@@ -739,7 +737,6 @@
               <a:rPr lang="es-ES"/>
               <a:t>Quinto nivel</a:t>
             </a:r>
-            <a:endParaRPr lang="es-ES"/>
           </a:p>
         </p:txBody>
       </p:sp>
@@ -866,7 +863,6 @@
               <a:rPr lang="es-ES"/>
               <a:t>Haga clic para modificar el estilo de título del patrón</a:t>
             </a:r>
-            <a:endParaRPr lang="es-ES"/>
           </a:p>
         </p:txBody>
       </p:sp>
@@ -1103,7 +1099,6 @@
               <a:rPr lang="es-ES"/>
               <a:t>Haga clic para modificar el estilo de título del patrón</a:t>
             </a:r>
-            <a:endParaRPr lang="es-ES"/>
           </a:p>
         </p:txBody>
       </p:sp>
@@ -1160,7 +1155,6 @@
               <a:rPr lang="es-ES"/>
               <a:t>Quinto nivel</a:t>
             </a:r>
-            <a:endParaRPr lang="es-ES"/>
           </a:p>
         </p:txBody>
       </p:sp>
@@ -1217,7 +1211,6 @@
               <a:rPr lang="es-ES"/>
               <a:t>Quinto nivel</a:t>
             </a:r>
-            <a:endParaRPr lang="es-ES"/>
           </a:p>
         </p:txBody>
       </p:sp>
@@ -1340,7 +1333,6 @@
               <a:rPr lang="es-ES"/>
               <a:t>Haga clic para modificar el estilo de título del patrón</a:t>
             </a:r>
-            <a:endParaRPr lang="es-ES"/>
           </a:p>
         </p:txBody>
       </p:sp>
@@ -1462,7 +1454,6 @@
               <a:rPr lang="es-ES"/>
               <a:t>Quinto nivel</a:t>
             </a:r>
-            <a:endParaRPr lang="es-ES"/>
           </a:p>
         </p:txBody>
       </p:sp>
@@ -1584,7 +1575,6 @@
               <a:rPr lang="es-ES"/>
               <a:t>Quinto nivel</a:t>
             </a:r>
-            <a:endParaRPr lang="es-ES"/>
           </a:p>
         </p:txBody>
       </p:sp>
@@ -1702,7 +1692,6 @@
               <a:rPr lang="es-ES"/>
               <a:t>Haga clic para modificar el estilo de título del patrón</a:t>
             </a:r>
-            <a:endParaRPr lang="es-ES"/>
           </a:p>
         </p:txBody>
       </p:sp>
@@ -1924,7 +1913,6 @@
               <a:rPr lang="es-ES"/>
               <a:t>Haga clic para modificar el estilo de título del patrón</a:t>
             </a:r>
-            <a:endParaRPr lang="es-ES"/>
           </a:p>
         </p:txBody>
       </p:sp>
@@ -2009,7 +1997,6 @@
               <a:rPr lang="es-ES"/>
               <a:t>Quinto nivel</a:t>
             </a:r>
-            <a:endParaRPr lang="es-ES"/>
           </a:p>
         </p:txBody>
       </p:sp>
@@ -2201,7 +2188,6 @@
               <a:rPr lang="es-ES"/>
               <a:t>Haga clic para modificar el estilo de título del patrón</a:t>
             </a:r>
-            <a:endParaRPr lang="es-ES"/>
           </a:p>
         </p:txBody>
       </p:sp>
@@ -2460,7 +2446,6 @@
               <a:rPr lang="es-ES"/>
               <a:t>Haga clic para modificar el estilo de título del patrón</a:t>
             </a:r>
-            <a:endParaRPr lang="es-ES"/>
           </a:p>
         </p:txBody>
       </p:sp>
@@ -2522,7 +2507,6 @@
               <a:rPr lang="es-ES"/>
               <a:t>Quinto nivel</a:t>
             </a:r>
-            <a:endParaRPr lang="es-ES"/>
           </a:p>
         </p:txBody>
       </p:sp>
@@ -2975,7 +2959,7 @@
         <p:spPr>
           <a:xfrm>
             <a:off x="7591097" y="560639"/>
-            <a:ext cx="4099034" cy="3416320"/>
+            <a:ext cx="4099034" cy="4801314"/>
           </a:xfrm>
           <a:prstGeom prst="rect">
             <a:avLst/>
@@ -2991,7 +2975,7 @@
             <a:pPr algn="just"/>
             <a:r>
               <a:rPr lang="es-ES" dirty="0"/>
-              <a:t>EN INTERNET ENCONTRAMOS NUMEROSOS CURSOS QUE VAN DESDE LOS 150 EUROS HASTA LOS 850 EUROS</a:t>
+              <a:t>LA PRIMERA FUENTE DE INFORMACIÓN QUE PODEMOS USAR ES LA PROPIA PAGIA WEB DEL SOFTWARE, TIENE NUMEROSOS VIDEOTUTORIALES Y UN FORO BASTANTE ACTIVO DE USUARIOS.</a:t>
             </a:r>
           </a:p>
           <a:p>
@@ -3002,7 +2986,7 @@
             <a:pPr algn="just"/>
             <a:r>
               <a:rPr lang="es-ES" dirty="0"/>
-              <a:t>LA DURACIÓN ES MAS O MENOS PARECIDA ENTRE LAS 20 Y LAS 40 HORAS, YA QUE SON CURSOS DE ESPECIALIZACIÓN</a:t>
+              <a:t>SE HAN USADO VARIOS METABUSCADORES PARA BUSCAR ARTICULOS DE PUESTA EN MARCHA O PRIMEROS PASOS PARA PONER EN MARCHA EL SOFTWARE.</a:t>
             </a:r>
           </a:p>
           <a:p>
@@ -3013,7 +2997,7 @@
             <a:pPr algn="just"/>
             <a:r>
               <a:rPr lang="es-ES" dirty="0"/>
-              <a:t>EL 90% SON CURSOS PRESENCIALES, YA QUE SE SON CURSOS MUY PERSONALIZADOS</a:t>
+              <a:t>POR ULTIMO HEMOS BUSCADO EL RESULTADO EN LA WIKIPEDIA, FUENTE POCO FIABLE PERO BASTANTE ESTANDARIADA PARA UN PRIMER VISTAZO.</a:t>
             </a:r>
           </a:p>
         </p:txBody>
@@ -3190,7 +3174,7 @@
             <a:pPr algn="just"/>
             <a:r>
               <a:rPr lang="es-ES" dirty="0"/>
-              <a:t>EN INTERNET ENCONTRAMOS NUMEROSOS CURSOS QUE VAN DESDE LOS 150 EUROS HASTA LOS 850 EUROS</a:t>
+              <a:t>EN INTERNET ENCONTRAMOS NUMEROSOS CURSOS QUE VAN DESDE LOS 150 EUROS HASTA LOS 850 EUROS.</a:t>
             </a:r>
           </a:p>
           <a:p>
@@ -3201,7 +3185,7 @@
             <a:pPr algn="just"/>
             <a:r>
               <a:rPr lang="es-ES" dirty="0"/>
-              <a:t>LA DURACIÓN ES MAS O MENOS PARECIDA ENTRE LAS 20 Y LAS 40 HORAS, YA QUE SON CURSOS DE ESPECIALIZACIÓN</a:t>
+              <a:t>LA DURACIÓN ES MAS O MENOS PARECIDA ENTRE LAS 20 Y LAS 40 HORAS, YA QUE SON CURSOS DE ESPECIALIZACIÓN.</a:t>
             </a:r>
           </a:p>
           <a:p>
@@ -3212,7 +3196,7 @@
             <a:pPr algn="just"/>
             <a:r>
               <a:rPr lang="es-ES" dirty="0"/>
-              <a:t>EL 90% SON CURSOS PRESENCIALES, YA QUE SE SON CURSOS MUY PERSONALIZADOS</a:t>
+              <a:t>EL 90% SON CURSOS PRESENCIALES, YA QUE SE SON CURSOS MUY PERSONALIZADOS.</a:t>
             </a:r>
           </a:p>
         </p:txBody>
@@ -3301,7 +3285,7 @@
             <a:pPr algn="just"/>
             <a:r>
               <a:rPr lang="es-ES" dirty="0"/>
-              <a:t>EN INTERNET ENCONTRAMOS NUMEROSOS CURSOS GRATUITOS, LA MAYORIA SON WEB SERIAS QUE OFRECEN A CAMBIO DE UN REGISTRO EL CURSO Y UNA PEQUEÑA CERTIFICACIÓN</a:t>
+              <a:t>EN INTERNET ENCONTRAMOS NUMEROSOS CURSOS GRATUITOS, LA MAYORIA SON WEB SERIAS QUE OFRECEN A CAMBIO DE UN REGISTRO EL CURSO Y UNA PEQUEÑA CERTIFICACIÓN.</a:t>
             </a:r>
           </a:p>
           <a:p>
@@ -3312,7 +3296,7 @@
             <a:pPr algn="just"/>
             <a:r>
               <a:rPr lang="es-ES" dirty="0"/>
-              <a:t>LA MAYORIA DE LOS CURSOS SON EN VERSIÓN VIDEOTURORIAL YA QUE AL NO SER PRESENCIALES REQUERE UN APORTE MULTIMEDIA QUE NOS ENSEÑE</a:t>
+              <a:t>LA MAYORIA DE LOS CURSOS SON EN VERSIÓN VIDEOTURORIAL YA QUE AL NO SER PRESENCIALES REQUERE UN APORTE MULTIMEDIA QUE NOS ENSEÑE.</a:t>
             </a:r>
           </a:p>
           <a:p>
@@ -3323,8 +3307,13 @@
             <a:pPr algn="just"/>
             <a:r>
               <a:rPr lang="es-ES" dirty="0"/>
-              <a:t>LA MAYORIA DE LOS CURSOS SON DESDE 0, LO CUAL LOS HACEN MAS GENERICOS QUE LOS PRESENCIALES</a:t>
-            </a:r>
+              <a:t>LA MAYORIA DE LOS CURSOS SON DESDE 0, LO CUAL LOS HACEN MAS GENERICOS QUE </a:t>
+            </a:r>
+            <a:r>
+              <a:rPr lang="es-ES"/>
+              <a:t>LOS PRESENCIALES.</a:t>
+            </a:r>
+            <a:endParaRPr lang="es-ES" dirty="0"/>
           </a:p>
         </p:txBody>
       </p:sp>
